--- a/Documentation.pptx
+++ b/Documentation.pptx
@@ -3377,7 +3377,7 @@
         </p:nvSpPr>
         <p:spPr>
           <a:xfrm>
-            <a:off x="2244436" y="1177636"/>
+            <a:off x="304800" y="1140690"/>
             <a:ext cx="1985818" cy="692727"/>
           </a:xfrm>
           <a:prstGeom prst="rect">
@@ -3426,7 +3426,7 @@
         </p:nvSpPr>
         <p:spPr>
           <a:xfrm>
-            <a:off x="175490" y="2479962"/>
+            <a:off x="1149990" y="2690089"/>
             <a:ext cx="1985818" cy="692727"/>
           </a:xfrm>
           <a:prstGeom prst="rect">
@@ -3475,7 +3475,7 @@
         </p:nvSpPr>
         <p:spPr>
           <a:xfrm>
-            <a:off x="2244436" y="3796146"/>
+            <a:off x="2346067" y="4604903"/>
             <a:ext cx="1985818" cy="692727"/>
           </a:xfrm>
           <a:prstGeom prst="rect">
@@ -3524,7 +3524,7 @@
         </p:nvSpPr>
         <p:spPr>
           <a:xfrm>
-            <a:off x="2244436" y="4996874"/>
+            <a:off x="2346067" y="5805631"/>
             <a:ext cx="1985818" cy="692727"/>
           </a:xfrm>
           <a:prstGeom prst="rect">
@@ -3724,7 +3724,7 @@
         </p:nvSpPr>
         <p:spPr>
           <a:xfrm>
-            <a:off x="2590673" y="2503055"/>
+            <a:off x="3565173" y="2713182"/>
             <a:ext cx="1985818" cy="692727"/>
           </a:xfrm>
           <a:prstGeom prst="rect">
@@ -3759,6 +3759,253 @@
           </a:p>
         </p:txBody>
       </p:sp>
+      <p:cxnSp>
+        <p:nvCxnSpPr>
+          <p:cNvPr id="3" name="Straight Arrow Connector 2">
+            <a:extLst>
+              <a:ext uri="{FF2B5EF4-FFF2-40B4-BE49-F238E27FC236}">
+                <a16:creationId xmlns:a16="http://schemas.microsoft.com/office/drawing/2014/main" id="{DB6412AE-6BF8-4BCF-8D12-4AA3B9809C69}"/>
+              </a:ext>
+            </a:extLst>
+          </p:cNvPr>
+          <p:cNvCxnSpPr>
+            <a:cxnSpLocks/>
+          </p:cNvCxnSpPr>
+          <p:nvPr/>
+        </p:nvCxnSpPr>
+        <p:spPr>
+          <a:xfrm>
+            <a:off x="1306882" y="1814369"/>
+            <a:ext cx="152463" cy="875720"/>
+          </a:xfrm>
+          <a:prstGeom prst="straightConnector1">
+            <a:avLst/>
+          </a:prstGeom>
+          <a:ln>
+            <a:tailEnd type="triangle"/>
+          </a:ln>
+        </p:spPr>
+        <p:style>
+          <a:lnRef idx="1">
+            <a:schemeClr val="accent1"/>
+          </a:lnRef>
+          <a:fillRef idx="0">
+            <a:schemeClr val="accent1"/>
+          </a:fillRef>
+          <a:effectRef idx="0">
+            <a:schemeClr val="accent1"/>
+          </a:effectRef>
+          <a:fontRef idx="minor">
+            <a:schemeClr val="tx1"/>
+          </a:fontRef>
+        </p:style>
+      </p:cxnSp>
+      <p:cxnSp>
+        <p:nvCxnSpPr>
+          <p:cNvPr id="12" name="Straight Arrow Connector 11">
+            <a:extLst>
+              <a:ext uri="{FF2B5EF4-FFF2-40B4-BE49-F238E27FC236}">
+                <a16:creationId xmlns:a16="http://schemas.microsoft.com/office/drawing/2014/main" id="{6C4B5760-BF30-4AC3-A8F9-CE467DE311D0}"/>
+              </a:ext>
+            </a:extLst>
+          </p:cNvPr>
+          <p:cNvCxnSpPr>
+            <a:cxnSpLocks/>
+          </p:cNvCxnSpPr>
+          <p:nvPr/>
+        </p:nvCxnSpPr>
+        <p:spPr>
+          <a:xfrm>
+            <a:off x="1288409" y="1800513"/>
+            <a:ext cx="577336" cy="875723"/>
+          </a:xfrm>
+          <a:prstGeom prst="straightConnector1">
+            <a:avLst/>
+          </a:prstGeom>
+          <a:ln>
+            <a:tailEnd type="triangle"/>
+          </a:ln>
+        </p:spPr>
+        <p:style>
+          <a:lnRef idx="1">
+            <a:schemeClr val="accent1"/>
+          </a:lnRef>
+          <a:fillRef idx="0">
+            <a:schemeClr val="accent1"/>
+          </a:fillRef>
+          <a:effectRef idx="0">
+            <a:schemeClr val="accent1"/>
+          </a:effectRef>
+          <a:fontRef idx="minor">
+            <a:schemeClr val="tx1"/>
+          </a:fontRef>
+        </p:style>
+      </p:cxnSp>
+      <p:cxnSp>
+        <p:nvCxnSpPr>
+          <p:cNvPr id="16" name="Straight Arrow Connector 15">
+            <a:extLst>
+              <a:ext uri="{FF2B5EF4-FFF2-40B4-BE49-F238E27FC236}">
+                <a16:creationId xmlns:a16="http://schemas.microsoft.com/office/drawing/2014/main" id="{84793225-D832-441A-A9F5-EBCE094D9393}"/>
+              </a:ext>
+            </a:extLst>
+          </p:cNvPr>
+          <p:cNvCxnSpPr>
+            <a:cxnSpLocks/>
+            <a:stCxn id="5" idx="2"/>
+          </p:cNvCxnSpPr>
+          <p:nvPr/>
+        </p:nvCxnSpPr>
+        <p:spPr>
+          <a:xfrm>
+            <a:off x="1297709" y="1833417"/>
+            <a:ext cx="1117599" cy="849745"/>
+          </a:xfrm>
+          <a:prstGeom prst="straightConnector1">
+            <a:avLst/>
+          </a:prstGeom>
+          <a:ln>
+            <a:tailEnd type="triangle"/>
+          </a:ln>
+        </p:spPr>
+        <p:style>
+          <a:lnRef idx="1">
+            <a:schemeClr val="accent1"/>
+          </a:lnRef>
+          <a:fillRef idx="0">
+            <a:schemeClr val="accent1"/>
+          </a:fillRef>
+          <a:effectRef idx="0">
+            <a:schemeClr val="accent1"/>
+          </a:effectRef>
+          <a:fontRef idx="minor">
+            <a:schemeClr val="tx1"/>
+          </a:fontRef>
+        </p:style>
+      </p:cxnSp>
+      <p:cxnSp>
+        <p:nvCxnSpPr>
+          <p:cNvPr id="18" name="Straight Arrow Connector 17">
+            <a:extLst>
+              <a:ext uri="{FF2B5EF4-FFF2-40B4-BE49-F238E27FC236}">
+                <a16:creationId xmlns:a16="http://schemas.microsoft.com/office/drawing/2014/main" id="{076DB2BF-41D2-439F-B045-C15C3D89F9DD}"/>
+              </a:ext>
+            </a:extLst>
+          </p:cNvPr>
+          <p:cNvCxnSpPr>
+            <a:cxnSpLocks/>
+          </p:cNvCxnSpPr>
+          <p:nvPr/>
+        </p:nvCxnSpPr>
+        <p:spPr>
+          <a:xfrm>
+            <a:off x="3782258" y="1389496"/>
+            <a:ext cx="152463" cy="875720"/>
+          </a:xfrm>
+          <a:prstGeom prst="straightConnector1">
+            <a:avLst/>
+          </a:prstGeom>
+          <a:ln>
+            <a:tailEnd type="triangle"/>
+          </a:ln>
+        </p:spPr>
+        <p:style>
+          <a:lnRef idx="1">
+            <a:schemeClr val="accent1"/>
+          </a:lnRef>
+          <a:fillRef idx="0">
+            <a:schemeClr val="accent1"/>
+          </a:fillRef>
+          <a:effectRef idx="0">
+            <a:schemeClr val="accent1"/>
+          </a:effectRef>
+          <a:fontRef idx="minor">
+            <a:schemeClr val="tx1"/>
+          </a:fontRef>
+        </p:style>
+      </p:cxnSp>
+      <p:cxnSp>
+        <p:nvCxnSpPr>
+          <p:cNvPr id="19" name="Straight Arrow Connector 18">
+            <a:extLst>
+              <a:ext uri="{FF2B5EF4-FFF2-40B4-BE49-F238E27FC236}">
+                <a16:creationId xmlns:a16="http://schemas.microsoft.com/office/drawing/2014/main" id="{DCF9A45D-7ED1-41FC-93D9-6BE95DA7B8FE}"/>
+              </a:ext>
+            </a:extLst>
+          </p:cNvPr>
+          <p:cNvCxnSpPr>
+            <a:cxnSpLocks/>
+          </p:cNvCxnSpPr>
+          <p:nvPr/>
+        </p:nvCxnSpPr>
+        <p:spPr>
+          <a:xfrm>
+            <a:off x="3763785" y="1375640"/>
+            <a:ext cx="577336" cy="875723"/>
+          </a:xfrm>
+          <a:prstGeom prst="straightConnector1">
+            <a:avLst/>
+          </a:prstGeom>
+          <a:ln>
+            <a:tailEnd type="triangle"/>
+          </a:ln>
+        </p:spPr>
+        <p:style>
+          <a:lnRef idx="1">
+            <a:schemeClr val="accent1"/>
+          </a:lnRef>
+          <a:fillRef idx="0">
+            <a:schemeClr val="accent1"/>
+          </a:fillRef>
+          <a:effectRef idx="0">
+            <a:schemeClr val="accent1"/>
+          </a:effectRef>
+          <a:fontRef idx="minor">
+            <a:schemeClr val="tx1"/>
+          </a:fontRef>
+        </p:style>
+      </p:cxnSp>
+      <p:cxnSp>
+        <p:nvCxnSpPr>
+          <p:cNvPr id="20" name="Straight Arrow Connector 19">
+            <a:extLst>
+              <a:ext uri="{FF2B5EF4-FFF2-40B4-BE49-F238E27FC236}">
+                <a16:creationId xmlns:a16="http://schemas.microsoft.com/office/drawing/2014/main" id="{91F09EA0-87A4-4C49-9A9C-8AC4E00ADC57}"/>
+              </a:ext>
+            </a:extLst>
+          </p:cNvPr>
+          <p:cNvCxnSpPr>
+            <a:cxnSpLocks/>
+          </p:cNvCxnSpPr>
+          <p:nvPr/>
+        </p:nvCxnSpPr>
+        <p:spPr>
+          <a:xfrm>
+            <a:off x="3773085" y="1408544"/>
+            <a:ext cx="1117599" cy="849745"/>
+          </a:xfrm>
+          <a:prstGeom prst="straightConnector1">
+            <a:avLst/>
+          </a:prstGeom>
+          <a:ln>
+            <a:tailEnd type="triangle"/>
+          </a:ln>
+        </p:spPr>
+        <p:style>
+          <a:lnRef idx="1">
+            <a:schemeClr val="accent1"/>
+          </a:lnRef>
+          <a:fillRef idx="0">
+            <a:schemeClr val="accent1"/>
+          </a:fillRef>
+          <a:effectRef idx="0">
+            <a:schemeClr val="accent1"/>
+          </a:effectRef>
+          <a:fontRef idx="minor">
+            <a:schemeClr val="tx1"/>
+          </a:fontRef>
+        </p:style>
+      </p:cxnSp>
     </p:spTree>
     <p:extLst>
       <p:ext uri="{BB962C8B-B14F-4D97-AF65-F5344CB8AC3E}">
@@ -4062,7 +4309,7 @@
           <a:p>
             <a:r>
               <a:rPr lang="en-US" dirty="0"/>
-              <a:t>General Playlist Design Consideration</a:t>
+              <a:t>General Track Design Consideration</a:t>
             </a:r>
           </a:p>
           <a:p>
@@ -4075,7 +4322,7 @@
             </a:pPr>
             <a:r>
               <a:rPr lang="en-US" dirty="0"/>
-              <a:t>Playlists correspond to at most ONE online version</a:t>
+              <a:t>Tracks where its upload</a:t>
             </a:r>
           </a:p>
           <a:p>
@@ -4085,7 +4332,7 @@
             </a:pPr>
             <a:r>
               <a:rPr lang="en-US" dirty="0"/>
-              <a:t>Playlists can be synced </a:t>
+              <a:t>Tracks what playlists point to it</a:t>
             </a:r>
           </a:p>
         </p:txBody>

--- a/Documentation.pptx
+++ b/Documentation.pptx
@@ -8,6 +8,7 @@
     <p:sldId id="256" r:id="rId2"/>
     <p:sldId id="257" r:id="rId3"/>
     <p:sldId id="258" r:id="rId4"/>
+    <p:sldId id="259" r:id="rId5"/>
   </p:sldIdLst>
   <p:sldSz cx="12192000" cy="6858000"/>
   <p:notesSz cx="6858000" cy="9144000"/>
@@ -261,7 +262,7 @@
           <a:p>
             <a:fld id="{0B7E702D-A5EB-4E85-A731-5881773EC03F}" type="datetimeFigureOut">
               <a:rPr lang="en-US" smtClean="0"/>
-              <a:t>11/18/2021</a:t>
+              <a:t>12/1/2021</a:t>
             </a:fld>
             <a:endParaRPr lang="en-US"/>
           </a:p>
@@ -459,7 +460,7 @@
           <a:p>
             <a:fld id="{0B7E702D-A5EB-4E85-A731-5881773EC03F}" type="datetimeFigureOut">
               <a:rPr lang="en-US" smtClean="0"/>
-              <a:t>11/18/2021</a:t>
+              <a:t>12/1/2021</a:t>
             </a:fld>
             <a:endParaRPr lang="en-US"/>
           </a:p>
@@ -667,7 +668,7 @@
           <a:p>
             <a:fld id="{0B7E702D-A5EB-4E85-A731-5881773EC03F}" type="datetimeFigureOut">
               <a:rPr lang="en-US" smtClean="0"/>
-              <a:t>11/18/2021</a:t>
+              <a:t>12/1/2021</a:t>
             </a:fld>
             <a:endParaRPr lang="en-US"/>
           </a:p>
@@ -865,7 +866,7 @@
           <a:p>
             <a:fld id="{0B7E702D-A5EB-4E85-A731-5881773EC03F}" type="datetimeFigureOut">
               <a:rPr lang="en-US" smtClean="0"/>
-              <a:t>11/18/2021</a:t>
+              <a:t>12/1/2021</a:t>
             </a:fld>
             <a:endParaRPr lang="en-US"/>
           </a:p>
@@ -1140,7 +1141,7 @@
           <a:p>
             <a:fld id="{0B7E702D-A5EB-4E85-A731-5881773EC03F}" type="datetimeFigureOut">
               <a:rPr lang="en-US" smtClean="0"/>
-              <a:t>11/18/2021</a:t>
+              <a:t>12/1/2021</a:t>
             </a:fld>
             <a:endParaRPr lang="en-US"/>
           </a:p>
@@ -1405,7 +1406,7 @@
           <a:p>
             <a:fld id="{0B7E702D-A5EB-4E85-A731-5881773EC03F}" type="datetimeFigureOut">
               <a:rPr lang="en-US" smtClean="0"/>
-              <a:t>11/18/2021</a:t>
+              <a:t>12/1/2021</a:t>
             </a:fld>
             <a:endParaRPr lang="en-US"/>
           </a:p>
@@ -1817,7 +1818,7 @@
           <a:p>
             <a:fld id="{0B7E702D-A5EB-4E85-A731-5881773EC03F}" type="datetimeFigureOut">
               <a:rPr lang="en-US" smtClean="0"/>
-              <a:t>11/18/2021</a:t>
+              <a:t>12/1/2021</a:t>
             </a:fld>
             <a:endParaRPr lang="en-US"/>
           </a:p>
@@ -1958,7 +1959,7 @@
           <a:p>
             <a:fld id="{0B7E702D-A5EB-4E85-A731-5881773EC03F}" type="datetimeFigureOut">
               <a:rPr lang="en-US" smtClean="0"/>
-              <a:t>11/18/2021</a:t>
+              <a:t>12/1/2021</a:t>
             </a:fld>
             <a:endParaRPr lang="en-US"/>
           </a:p>
@@ -2071,7 +2072,7 @@
           <a:p>
             <a:fld id="{0B7E702D-A5EB-4E85-A731-5881773EC03F}" type="datetimeFigureOut">
               <a:rPr lang="en-US" smtClean="0"/>
-              <a:t>11/18/2021</a:t>
+              <a:t>12/1/2021</a:t>
             </a:fld>
             <a:endParaRPr lang="en-US"/>
           </a:p>
@@ -2382,7 +2383,7 @@
           <a:p>
             <a:fld id="{0B7E702D-A5EB-4E85-A731-5881773EC03F}" type="datetimeFigureOut">
               <a:rPr lang="en-US" smtClean="0"/>
-              <a:t>11/18/2021</a:t>
+              <a:t>12/1/2021</a:t>
             </a:fld>
             <a:endParaRPr lang="en-US"/>
           </a:p>
@@ -2670,7 +2671,7 @@
           <a:p>
             <a:fld id="{0B7E702D-A5EB-4E85-A731-5881773EC03F}" type="datetimeFigureOut">
               <a:rPr lang="en-US" smtClean="0"/>
-              <a:t>11/18/2021</a:t>
+              <a:t>12/1/2021</a:t>
             </a:fld>
             <a:endParaRPr lang="en-US"/>
           </a:p>
@@ -2911,7 +2912,7 @@
           <a:p>
             <a:fld id="{0B7E702D-A5EB-4E85-A731-5881773EC03F}" type="datetimeFigureOut">
               <a:rPr lang="en-US" smtClean="0"/>
-              <a:t>11/18/2021</a:t>
+              <a:t>12/1/2021</a:t>
             </a:fld>
             <a:endParaRPr lang="en-US"/>
           </a:p>
@@ -3377,7 +3378,7 @@
         </p:nvSpPr>
         <p:spPr>
           <a:xfrm>
-            <a:off x="304800" y="1140690"/>
+            <a:off x="749181" y="2542200"/>
             <a:ext cx="1985818" cy="692727"/>
           </a:xfrm>
           <a:prstGeom prst="rect">
@@ -3426,7 +3427,7 @@
         </p:nvSpPr>
         <p:spPr>
           <a:xfrm>
-            <a:off x="1149990" y="2690089"/>
+            <a:off x="1594371" y="4091599"/>
             <a:ext cx="1985818" cy="692727"/>
           </a:xfrm>
           <a:prstGeom prst="rect">
@@ -3475,7 +3476,7 @@
         </p:nvSpPr>
         <p:spPr>
           <a:xfrm>
-            <a:off x="2346067" y="4604903"/>
+            <a:off x="5142567" y="1540054"/>
             <a:ext cx="1985818" cy="692727"/>
           </a:xfrm>
           <a:prstGeom prst="rect">
@@ -3524,7 +3525,7 @@
         </p:nvSpPr>
         <p:spPr>
           <a:xfrm>
-            <a:off x="2346067" y="5805631"/>
+            <a:off x="409031" y="933107"/>
             <a:ext cx="1985818" cy="692727"/>
           </a:xfrm>
           <a:prstGeom prst="rect">
@@ -3573,8 +3574,8 @@
         </p:nvSpPr>
         <p:spPr>
           <a:xfrm>
-            <a:off x="6442362" y="2230581"/>
-            <a:ext cx="1985818" cy="1685638"/>
+            <a:off x="145279" y="5640997"/>
+            <a:ext cx="2249570" cy="1020983"/>
           </a:xfrm>
           <a:prstGeom prst="rect">
             <a:avLst/>
@@ -3652,8 +3653,8 @@
         </p:nvSpPr>
         <p:spPr>
           <a:xfrm>
-            <a:off x="9227125" y="2193634"/>
-            <a:ext cx="1985818" cy="1685638"/>
+            <a:off x="3417053" y="5694578"/>
+            <a:ext cx="2718423" cy="875720"/>
           </a:xfrm>
           <a:prstGeom prst="rect">
             <a:avLst/>
@@ -3697,7 +3698,7 @@
             <a:pPr algn="ctr"/>
             <a:r>
               <a:rPr lang="en-US" dirty="0"/>
-              <a:t>Necessary&lt;</a:t>
+              <a:t>&lt;</a:t>
             </a:r>
             <a:r>
               <a:rPr lang="en-US" dirty="0" err="1"/>
@@ -3724,7 +3725,7 @@
         </p:nvSpPr>
         <p:spPr>
           <a:xfrm>
-            <a:off x="3565173" y="2713182"/>
+            <a:off x="4009554" y="4114692"/>
             <a:ext cx="1985818" cy="692727"/>
           </a:xfrm>
           <a:prstGeom prst="rect">
@@ -3775,7 +3776,7 @@
         </p:nvCxnSpPr>
         <p:spPr>
           <a:xfrm>
-            <a:off x="1306882" y="1814369"/>
+            <a:off x="1751263" y="3215879"/>
             <a:ext cx="152463" cy="875720"/>
           </a:xfrm>
           <a:prstGeom prst="straightConnector1">
@@ -3816,7 +3817,7 @@
         </p:nvCxnSpPr>
         <p:spPr>
           <a:xfrm>
-            <a:off x="1288409" y="1800513"/>
+            <a:off x="1732790" y="3202023"/>
             <a:ext cx="577336" cy="875723"/>
           </a:xfrm>
           <a:prstGeom prst="straightConnector1">
@@ -3858,7 +3859,7 @@
         </p:nvCxnSpPr>
         <p:spPr>
           <a:xfrm>
-            <a:off x="1297709" y="1833417"/>
+            <a:off x="1742090" y="3234927"/>
             <a:ext cx="1117599" cy="849745"/>
           </a:xfrm>
           <a:prstGeom prst="straightConnector1">
@@ -3899,7 +3900,7 @@
         </p:nvCxnSpPr>
         <p:spPr>
           <a:xfrm>
-            <a:off x="3782258" y="1389496"/>
+            <a:off x="1277187" y="1654359"/>
             <a:ext cx="152463" cy="875720"/>
           </a:xfrm>
           <a:prstGeom prst="straightConnector1">
@@ -3940,7 +3941,7 @@
         </p:nvCxnSpPr>
         <p:spPr>
           <a:xfrm>
-            <a:off x="3763785" y="1375640"/>
+            <a:off x="1258714" y="1640503"/>
             <a:ext cx="577336" cy="875723"/>
           </a:xfrm>
           <a:prstGeom prst="straightConnector1">
@@ -3981,7 +3982,7 @@
         </p:nvCxnSpPr>
         <p:spPr>
           <a:xfrm>
-            <a:off x="3773085" y="1408544"/>
+            <a:off x="1277250" y="1673407"/>
             <a:ext cx="1117599" cy="849745"/>
           </a:xfrm>
           <a:prstGeom prst="straightConnector1">
@@ -4051,7 +4052,7 @@
         <p:spPr>
           <a:xfrm>
             <a:off x="942109" y="868219"/>
-            <a:ext cx="8579080" cy="4647426"/>
+            <a:ext cx="8694496" cy="4955203"/>
           </a:xfrm>
           <a:prstGeom prst="rect">
             <a:avLst/>
@@ -4070,26 +4071,36 @@
             </a:r>
           </a:p>
           <a:p>
-            <a:pPr marL="342900" indent="-342900">
+            <a:pPr marL="457200" indent="-457200">
               <a:buFont typeface="+mj-lt"/>
-              <a:buAutoNum type="arabicPeriod"/>
+              <a:buAutoNum type="arabicParenR"/>
             </a:pPr>
             <a:endParaRPr lang="en-US" sz="2000" dirty="0"/>
           </a:p>
           <a:p>
-            <a:pPr marL="342900" indent="-342900">
-              <a:buFont typeface="+mj-lt"/>
-              <a:buAutoNum type="arabicPeriod"/>
+            <a:pPr marL="457200" indent="-457200">
+              <a:buFont typeface="Arial" panose="020B0604020202020204" pitchFamily="34" charset="0"/>
+              <a:buChar char="•"/>
             </a:pPr>
             <a:r>
               <a:rPr lang="en-US" sz="2000" dirty="0"/>
-              <a:t>Import playlist object from </a:t>
-            </a:r>
-          </a:p>
-          <a:p>
-            <a:pPr marL="342900" indent="-342900">
-              <a:buFont typeface="+mj-lt"/>
-              <a:buAutoNum type="arabicPeriod"/>
+              <a:t>Import playlist object from an online service via URL.</a:t>
+            </a:r>
+          </a:p>
+          <a:p>
+            <a:pPr marL="914400" lvl="1" indent="-457200">
+              <a:buFont typeface="Arial" panose="020B0604020202020204" pitchFamily="34" charset="0"/>
+              <a:buChar char="•"/>
+            </a:pPr>
+            <a:r>
+              <a:rPr lang="en-US" sz="2000" dirty="0"/>
+              <a:t>Store the songs on a HD </a:t>
+            </a:r>
+          </a:p>
+          <a:p>
+            <a:pPr marL="457200" indent="-457200">
+              <a:buFont typeface="Arial" panose="020B0604020202020204" pitchFamily="34" charset="0"/>
+              <a:buChar char="•"/>
             </a:pPr>
             <a:r>
               <a:rPr lang="en-US" sz="2000" dirty="0"/>
@@ -4097,9 +4108,9 @@
             </a:r>
           </a:p>
           <a:p>
-            <a:pPr marL="800100" lvl="1" indent="-342900">
-              <a:buFont typeface="+mj-lt"/>
-              <a:buAutoNum type="arabicPeriod"/>
+            <a:pPr marL="914400" lvl="1" indent="-457200">
+              <a:buFont typeface="Arial" panose="020B0604020202020204" pitchFamily="34" charset="0"/>
+              <a:buChar char="•"/>
             </a:pPr>
             <a:r>
               <a:rPr lang="en-US" sz="2000" dirty="0"/>
@@ -4107,9 +4118,9 @@
             </a:r>
           </a:p>
           <a:p>
-            <a:pPr marL="342900" indent="-342900">
-              <a:buFont typeface="+mj-lt"/>
-              <a:buAutoNum type="arabicPeriod"/>
+            <a:pPr marL="457200" indent="-457200">
+              <a:buFont typeface="Arial" panose="020B0604020202020204" pitchFamily="34" charset="0"/>
+              <a:buChar char="•"/>
             </a:pPr>
             <a:r>
               <a:rPr lang="en-US" sz="2000" dirty="0"/>
@@ -4117,9 +4128,9 @@
             </a:r>
           </a:p>
           <a:p>
-            <a:pPr marL="342900" indent="-342900">
-              <a:buFont typeface="+mj-lt"/>
-              <a:buAutoNum type="arabicPeriod"/>
+            <a:pPr marL="457200" indent="-457200">
+              <a:buFont typeface="Arial" panose="020B0604020202020204" pitchFamily="34" charset="0"/>
+              <a:buChar char="•"/>
             </a:pPr>
             <a:r>
               <a:rPr lang="en-US" sz="2000" dirty="0"/>
@@ -4127,9 +4138,9 @@
             </a:r>
           </a:p>
           <a:p>
-            <a:pPr marL="342900" indent="-342900">
-              <a:buFont typeface="+mj-lt"/>
-              <a:buAutoNum type="arabicPeriod"/>
+            <a:pPr marL="457200" indent="-457200">
+              <a:buFont typeface="Arial" panose="020B0604020202020204" pitchFamily="34" charset="0"/>
+              <a:buChar char="•"/>
             </a:pPr>
             <a:r>
               <a:rPr lang="en-US" sz="2000" dirty="0"/>
@@ -4137,9 +4148,9 @@
             </a:r>
           </a:p>
           <a:p>
-            <a:pPr marL="800100" lvl="1" indent="-342900">
-              <a:buFont typeface="+mj-lt"/>
-              <a:buAutoNum type="arabicPeriod"/>
+            <a:pPr marL="914400" lvl="1" indent="-457200">
+              <a:buFont typeface="Arial" panose="020B0604020202020204" pitchFamily="34" charset="0"/>
+              <a:buChar char="•"/>
             </a:pPr>
             <a:r>
               <a:rPr lang="en-US" sz="2000" dirty="0"/>
@@ -4147,9 +4158,9 @@
             </a:r>
           </a:p>
           <a:p>
-            <a:pPr marL="800100" lvl="1" indent="-342900">
-              <a:buFont typeface="+mj-lt"/>
-              <a:buAutoNum type="arabicPeriod"/>
+            <a:pPr marL="914400" lvl="1" indent="-457200">
+              <a:buFont typeface="Arial" panose="020B0604020202020204" pitchFamily="34" charset="0"/>
+              <a:buChar char="•"/>
             </a:pPr>
             <a:r>
               <a:rPr lang="en-US" sz="2000" dirty="0"/>
@@ -4157,9 +4168,9 @@
             </a:r>
           </a:p>
           <a:p>
-            <a:pPr marL="342900" indent="-342900">
-              <a:buFont typeface="+mj-lt"/>
-              <a:buAutoNum type="arabicPeriod"/>
+            <a:pPr marL="457200" indent="-457200">
+              <a:buFont typeface="Arial" panose="020B0604020202020204" pitchFamily="34" charset="0"/>
+              <a:buChar char="•"/>
             </a:pPr>
             <a:r>
               <a:rPr lang="en-US" sz="2000" dirty="0"/>
@@ -4167,9 +4178,9 @@
             </a:r>
           </a:p>
           <a:p>
-            <a:pPr marL="342900" indent="-342900">
-              <a:buFont typeface="+mj-lt"/>
-              <a:buAutoNum type="arabicPeriod"/>
+            <a:pPr marL="457200" indent="-457200">
+              <a:buFont typeface="Arial" panose="020B0604020202020204" pitchFamily="34" charset="0"/>
+              <a:buChar char="•"/>
             </a:pPr>
             <a:r>
               <a:rPr lang="en-US" sz="2000" dirty="0"/>
@@ -4177,9 +4188,9 @@
             </a:r>
           </a:p>
           <a:p>
-            <a:pPr marL="342900" indent="-342900">
-              <a:buFont typeface="+mj-lt"/>
-              <a:buAutoNum type="arabicPeriod"/>
+            <a:pPr marL="457200" indent="-457200">
+              <a:buFont typeface="Arial" panose="020B0604020202020204" pitchFamily="34" charset="0"/>
+              <a:buChar char="•"/>
             </a:pPr>
             <a:r>
               <a:rPr lang="en-US" sz="2000" dirty="0"/>
@@ -4341,6 +4352,300 @@
     <p:extLst>
       <p:ext uri="{BB962C8B-B14F-4D97-AF65-F5344CB8AC3E}">
         <p14:creationId xmlns:p14="http://schemas.microsoft.com/office/powerpoint/2010/main" val="4265934447"/>
+      </p:ext>
+    </p:extLst>
+  </p:cSld>
+  <p:clrMapOvr>
+    <a:masterClrMapping/>
+  </p:clrMapOvr>
+</p:sld>
+</file>
+
+<file path=ppt/slides/slide4.xml><?xml version="1.0" encoding="utf-8"?>
+<p:sld xmlns:a="http://schemas.openxmlformats.org/drawingml/2006/main" xmlns:r="http://schemas.openxmlformats.org/officeDocument/2006/relationships" xmlns:p="http://schemas.openxmlformats.org/presentationml/2006/main">
+  <p:cSld>
+    <p:spTree>
+      <p:nvGrpSpPr>
+        <p:cNvPr id="1" name=""/>
+        <p:cNvGrpSpPr/>
+        <p:nvPr/>
+      </p:nvGrpSpPr>
+      <p:grpSpPr>
+        <a:xfrm>
+          <a:off x="0" y="0"/>
+          <a:ext cx="0" cy="0"/>
+          <a:chOff x="0" y="0"/>
+          <a:chExt cx="0" cy="0"/>
+        </a:xfrm>
+      </p:grpSpPr>
+      <p:sp>
+        <p:nvSpPr>
+          <p:cNvPr id="4" name="Rectangle 3">
+            <a:extLst>
+              <a:ext uri="{FF2B5EF4-FFF2-40B4-BE49-F238E27FC236}">
+                <a16:creationId xmlns:a16="http://schemas.microsoft.com/office/drawing/2014/main" id="{852646DF-F0BB-4C14-9FAF-4DA053C3381C}"/>
+              </a:ext>
+            </a:extLst>
+          </p:cNvPr>
+          <p:cNvSpPr/>
+          <p:nvPr/>
+        </p:nvSpPr>
+        <p:spPr>
+          <a:xfrm>
+            <a:off x="1011677" y="671209"/>
+            <a:ext cx="2470825" cy="535021"/>
+          </a:xfrm>
+          <a:prstGeom prst="rect">
+            <a:avLst/>
+          </a:prstGeom>
+        </p:spPr>
+        <p:style>
+          <a:lnRef idx="2">
+            <a:schemeClr val="accent1">
+              <a:shade val="50000"/>
+            </a:schemeClr>
+          </a:lnRef>
+          <a:fillRef idx="1">
+            <a:schemeClr val="accent1"/>
+          </a:fillRef>
+          <a:effectRef idx="0">
+            <a:schemeClr val="accent1"/>
+          </a:effectRef>
+          <a:fontRef idx="minor">
+            <a:schemeClr val="lt1"/>
+          </a:fontRef>
+        </p:style>
+        <p:txBody>
+          <a:bodyPr rtlCol="0" anchor="ctr"/>
+          <a:lstStyle/>
+          <a:p>
+            <a:pPr algn="ctr"/>
+            <a:endParaRPr lang="en-US"/>
+          </a:p>
+        </p:txBody>
+      </p:sp>
+      <p:cxnSp>
+        <p:nvCxnSpPr>
+          <p:cNvPr id="6" name="Straight Arrow Connector 5">
+            <a:extLst>
+              <a:ext uri="{FF2B5EF4-FFF2-40B4-BE49-F238E27FC236}">
+                <a16:creationId xmlns:a16="http://schemas.microsoft.com/office/drawing/2014/main" id="{AACCD2DB-EFE9-42B3-9567-00A9701E9B83}"/>
+              </a:ext>
+            </a:extLst>
+          </p:cNvPr>
+          <p:cNvCxnSpPr/>
+          <p:nvPr/>
+        </p:nvCxnSpPr>
+        <p:spPr>
+          <a:xfrm>
+            <a:off x="3706238" y="1040860"/>
+            <a:ext cx="2918298" cy="0"/>
+          </a:xfrm>
+          <a:prstGeom prst="straightConnector1">
+            <a:avLst/>
+          </a:prstGeom>
+          <a:ln>
+            <a:tailEnd type="triangle"/>
+          </a:ln>
+        </p:spPr>
+        <p:style>
+          <a:lnRef idx="1">
+            <a:schemeClr val="accent1"/>
+          </a:lnRef>
+          <a:fillRef idx="0">
+            <a:schemeClr val="accent1"/>
+          </a:fillRef>
+          <a:effectRef idx="0">
+            <a:schemeClr val="accent1"/>
+          </a:effectRef>
+          <a:fontRef idx="minor">
+            <a:schemeClr val="tx1"/>
+          </a:fontRef>
+        </p:style>
+      </p:cxnSp>
+      <p:sp>
+        <p:nvSpPr>
+          <p:cNvPr id="7" name="TextBox 6">
+            <a:extLst>
+              <a:ext uri="{FF2B5EF4-FFF2-40B4-BE49-F238E27FC236}">
+                <a16:creationId xmlns:a16="http://schemas.microsoft.com/office/drawing/2014/main" id="{49FA087A-ADF6-4AED-B895-633B39CF3212}"/>
+              </a:ext>
+            </a:extLst>
+          </p:cNvPr>
+          <p:cNvSpPr txBox="1"/>
+          <p:nvPr/>
+        </p:nvSpPr>
+        <p:spPr>
+          <a:xfrm>
+            <a:off x="6935821" y="856034"/>
+            <a:ext cx="1439240" cy="369332"/>
+          </a:xfrm>
+          <a:prstGeom prst="rect">
+            <a:avLst/>
+          </a:prstGeom>
+          <a:noFill/>
+        </p:spPr>
+        <p:txBody>
+          <a:bodyPr wrap="none" rtlCol="0">
+            <a:spAutoFit/>
+          </a:bodyPr>
+          <a:lstStyle/>
+          <a:p>
+            <a:r>
+              <a:rPr lang="en-US" dirty="0"/>
+              <a:t>Creates entry</a:t>
+            </a:r>
+          </a:p>
+        </p:txBody>
+      </p:sp>
+      <p:cxnSp>
+        <p:nvCxnSpPr>
+          <p:cNvPr id="9" name="Straight Arrow Connector 8">
+            <a:extLst>
+              <a:ext uri="{FF2B5EF4-FFF2-40B4-BE49-F238E27FC236}">
+                <a16:creationId xmlns:a16="http://schemas.microsoft.com/office/drawing/2014/main" id="{62321FC7-7B62-42EB-9079-310C68D4E11E}"/>
+              </a:ext>
+            </a:extLst>
+          </p:cNvPr>
+          <p:cNvCxnSpPr/>
+          <p:nvPr/>
+        </p:nvCxnSpPr>
+        <p:spPr>
+          <a:xfrm>
+            <a:off x="3706238" y="1420238"/>
+            <a:ext cx="2461098" cy="1089498"/>
+          </a:xfrm>
+          <a:prstGeom prst="straightConnector1">
+            <a:avLst/>
+          </a:prstGeom>
+          <a:ln>
+            <a:tailEnd type="triangle"/>
+          </a:ln>
+        </p:spPr>
+        <p:style>
+          <a:lnRef idx="1">
+            <a:schemeClr val="accent1"/>
+          </a:lnRef>
+          <a:fillRef idx="0">
+            <a:schemeClr val="accent1"/>
+          </a:fillRef>
+          <a:effectRef idx="0">
+            <a:schemeClr val="accent1"/>
+          </a:effectRef>
+          <a:fontRef idx="minor">
+            <a:schemeClr val="tx1"/>
+          </a:fontRef>
+        </p:style>
+      </p:cxnSp>
+      <p:sp>
+        <p:nvSpPr>
+          <p:cNvPr id="10" name="TextBox 9">
+            <a:extLst>
+              <a:ext uri="{FF2B5EF4-FFF2-40B4-BE49-F238E27FC236}">
+                <a16:creationId xmlns:a16="http://schemas.microsoft.com/office/drawing/2014/main" id="{29B39152-D015-4311-88D0-B47E9A9208AE}"/>
+              </a:ext>
+            </a:extLst>
+          </p:cNvPr>
+          <p:cNvSpPr txBox="1"/>
+          <p:nvPr/>
+        </p:nvSpPr>
+        <p:spPr>
+          <a:xfrm>
+            <a:off x="6368601" y="2325070"/>
+            <a:ext cx="1649939" cy="369332"/>
+          </a:xfrm>
+          <a:prstGeom prst="rect">
+            <a:avLst/>
+          </a:prstGeom>
+          <a:noFill/>
+        </p:spPr>
+        <p:txBody>
+          <a:bodyPr wrap="none" rtlCol="0">
+            <a:spAutoFit/>
+          </a:bodyPr>
+          <a:lstStyle/>
+          <a:p>
+            <a:r>
+              <a:rPr lang="en-US" dirty="0"/>
+              <a:t>Processes entry</a:t>
+            </a:r>
+          </a:p>
+        </p:txBody>
+      </p:sp>
+      <p:sp>
+        <p:nvSpPr>
+          <p:cNvPr id="11" name="TextBox 10">
+            <a:extLst>
+              <a:ext uri="{FF2B5EF4-FFF2-40B4-BE49-F238E27FC236}">
+                <a16:creationId xmlns:a16="http://schemas.microsoft.com/office/drawing/2014/main" id="{0ED5AA6C-1B5D-4E7D-BA86-2CD68F405CF0}"/>
+              </a:ext>
+            </a:extLst>
+          </p:cNvPr>
+          <p:cNvSpPr txBox="1"/>
+          <p:nvPr/>
+        </p:nvSpPr>
+        <p:spPr>
+          <a:xfrm>
+            <a:off x="8531157" y="817283"/>
+            <a:ext cx="2753061" cy="369332"/>
+          </a:xfrm>
+          <a:prstGeom prst="rect">
+            <a:avLst/>
+          </a:prstGeom>
+          <a:noFill/>
+        </p:spPr>
+        <p:txBody>
+          <a:bodyPr wrap="none" rtlCol="0">
+            <a:spAutoFit/>
+          </a:bodyPr>
+          <a:lstStyle/>
+          <a:p>
+            <a:r>
+              <a:rPr lang="en-US" dirty="0"/>
+              <a:t>(performed by flask or app)</a:t>
+            </a:r>
+          </a:p>
+        </p:txBody>
+      </p:sp>
+      <p:sp>
+        <p:nvSpPr>
+          <p:cNvPr id="12" name="TextBox 11">
+            <a:extLst>
+              <a:ext uri="{FF2B5EF4-FFF2-40B4-BE49-F238E27FC236}">
+                <a16:creationId xmlns:a16="http://schemas.microsoft.com/office/drawing/2014/main" id="{DF718C18-43F5-44BC-8979-33FC94B7C65E}"/>
+              </a:ext>
+            </a:extLst>
+          </p:cNvPr>
+          <p:cNvSpPr txBox="1"/>
+          <p:nvPr/>
+        </p:nvSpPr>
+        <p:spPr>
+          <a:xfrm>
+            <a:off x="7934527" y="2325070"/>
+            <a:ext cx="2562689" cy="369332"/>
+          </a:xfrm>
+          <a:prstGeom prst="rect">
+            <a:avLst/>
+          </a:prstGeom>
+          <a:noFill/>
+        </p:spPr>
+        <p:txBody>
+          <a:bodyPr wrap="none" rtlCol="0">
+            <a:spAutoFit/>
+          </a:bodyPr>
+          <a:lstStyle/>
+          <a:p>
+            <a:r>
+              <a:rPr lang="en-US" dirty="0"/>
+              <a:t>(performed ONLY by app)</a:t>
+            </a:r>
+          </a:p>
+        </p:txBody>
+      </p:sp>
+    </p:spTree>
+    <p:extLst>
+      <p:ext uri="{BB962C8B-B14F-4D97-AF65-F5344CB8AC3E}">
+        <p14:creationId xmlns:p14="http://schemas.microsoft.com/office/powerpoint/2010/main" val="1642427850"/>
       </p:ext>
     </p:extLst>
   </p:cSld>
